--- a/Slides/u05_Ch16_mixANOVA.pptx
+++ b/Slides/u05_Ch16_mixANOVA.pptx
@@ -10776,34 +10776,151 @@
           <a:bodyPr/>
           <a:lstStyle/>
           <a:p>
-            <a:endParaRPr lang="en-US" dirty="0"/>
-          </a:p>
-        </p:txBody>
-      </p:sp>
-      <p:sp>
-        <p:nvSpPr>
-          <p:cNvPr id="4" name="Date Placeholder 3">
-            <a:extLst>
-              <a:ext uri="{FF2B5EF4-FFF2-40B4-BE49-F238E27FC236}">
-                <a16:creationId xmlns:a16="http://schemas.microsoft.com/office/drawing/2014/main" id="{33D7880E-6187-5C4D-B7F1-5A9FF61BBACA}"/>
-              </a:ext>
-            </a:extLst>
-          </p:cNvPr>
-          <p:cNvSpPr>
-            <a:spLocks noGrp="1"/>
-          </p:cNvSpPr>
-          <p:nvPr>
-            <p:ph type="dt" sz="half" idx="10"/>
-          </p:nvPr>
-        </p:nvSpPr>
-        <p:spPr/>
-        <p:txBody>
-          <a:bodyPr/>
-          <a:lstStyle/>
-          <a:p>
-            <a:r>
-              <a:rPr lang="en-US" altLang="en-US"/>
-              <a:t>Jamison Fargo, PhD</a:t>
+            <a:pPr lvl="1"/>
+            <a:r>
+              <a:rPr lang="en-US" sz="2700" dirty="0"/>
+              <a:t>We already have seen the calculation of </a:t>
+            </a:r>
+            <a:r>
+              <a:rPr lang="en-US" sz="2700" dirty="0">
+                <a:latin typeface="Georgia" panose="02040502050405020303" pitchFamily="18" charset="0"/>
+              </a:rPr>
+              <a:t>an </a:t>
+            </a:r>
+            <a:r>
+              <a:rPr lang="en-US" sz="2700" i="1" dirty="0">
+                <a:latin typeface="Georgia" panose="02040502050405020303" pitchFamily="18" charset="0"/>
+              </a:rPr>
+              <a:t>F</a:t>
+            </a:r>
+            <a:r>
+              <a:rPr lang="en-US" sz="2700" dirty="0">
+                <a:latin typeface="Georgia" panose="02040502050405020303" pitchFamily="18" charset="0"/>
+              </a:rPr>
+              <a:t> </a:t>
+            </a:r>
+            <a:r>
+              <a:rPr lang="en-US" sz="2700" dirty="0"/>
+              <a:t>ratio for the main effect of the repeated measures when we analyzed the one-way RM ANOVA</a:t>
+            </a:r>
+          </a:p>
+          <a:p>
+            <a:pPr lvl="2"/>
+            <a:r>
+              <a:rPr lang="en-US" sz="2400" dirty="0">
+                <a:latin typeface="Georgia" panose="02040502050405020303" pitchFamily="18" charset="0"/>
+              </a:rPr>
+              <a:t>This </a:t>
+            </a:r>
+            <a:r>
+              <a:rPr lang="en-US" sz="2400" i="1" dirty="0">
+                <a:latin typeface="Georgia" panose="02040502050405020303" pitchFamily="18" charset="0"/>
+              </a:rPr>
+              <a:t>F</a:t>
+            </a:r>
+            <a:r>
+              <a:rPr lang="en-US" sz="2400" dirty="0">
+                <a:latin typeface="Georgia" panose="02040502050405020303" pitchFamily="18" charset="0"/>
+              </a:rPr>
+              <a:t> can now be recalculated to </a:t>
+            </a:r>
+            <a:r>
+              <a:rPr lang="en-US" sz="2400" dirty="0">
+                <a:solidFill>
+                  <a:schemeClr val="accent2">
+                    <a:lumMod val="75000"/>
+                  </a:schemeClr>
+                </a:solidFill>
+                <a:latin typeface="Georgia" panose="02040502050405020303" pitchFamily="18" charset="0"/>
+              </a:rPr>
+              <a:t>take into account the separation of subjects into subgroups (between-subjects factor)</a:t>
+            </a:r>
+            <a:r>
+              <a:rPr lang="en-US" sz="2400" dirty="0">
+                <a:latin typeface="Georgia" panose="02040502050405020303" pitchFamily="18" charset="0"/>
+              </a:rPr>
+              <a:t>, which decreases the error term.</a:t>
+            </a:r>
+          </a:p>
+          <a:p>
+            <a:pPr lvl="2"/>
+            <a:r>
+              <a:rPr lang="en-US" sz="2400" i="1" dirty="0">
+                <a:latin typeface="Georgia" panose="02040502050405020303" pitchFamily="18" charset="0"/>
+              </a:rPr>
+              <a:t>The numerator of F</a:t>
+            </a:r>
+            <a:r>
+              <a:rPr lang="en-US" sz="2400" i="1" baseline="-25000" dirty="0">
+                <a:latin typeface="Georgia" panose="02040502050405020303" pitchFamily="18" charset="0"/>
+              </a:rPr>
+              <a:t>RM</a:t>
+            </a:r>
+            <a:r>
+              <a:rPr lang="en-US" sz="2400" i="1" dirty="0">
+                <a:latin typeface="Georgia" panose="02040502050405020303" pitchFamily="18" charset="0"/>
+              </a:rPr>
+              <a:t> won’t change</a:t>
+            </a:r>
+          </a:p>
+          <a:p>
+            <a:pPr lvl="2"/>
+            <a:r>
+              <a:rPr lang="en-US" sz="2400" dirty="0">
+                <a:solidFill>
+                  <a:schemeClr val="accent5"/>
+                </a:solidFill>
+                <a:latin typeface="Georgia" panose="02040502050405020303" pitchFamily="18" charset="0"/>
+              </a:rPr>
+              <a:t>The denominator will change</a:t>
+            </a:r>
+          </a:p>
+          <a:p>
+            <a:pPr lvl="3"/>
+            <a:r>
+              <a:rPr lang="en-US" sz="2000" dirty="0">
+                <a:latin typeface="Georgia" panose="02040502050405020303" pitchFamily="18" charset="0"/>
+              </a:rPr>
+              <a:t>Most of the </a:t>
+            </a:r>
+            <a:r>
+              <a:rPr lang="en-US" sz="2000" i="1" dirty="0">
+                <a:latin typeface="Georgia" panose="02040502050405020303" pitchFamily="18" charset="0"/>
+              </a:rPr>
+              <a:t>S</a:t>
+            </a:r>
+            <a:r>
+              <a:rPr lang="en-US" sz="2000" dirty="0">
+                <a:latin typeface="Georgia" panose="02040502050405020303" pitchFamily="18" charset="0"/>
+              </a:rPr>
+              <a:t> × RM interaction is really due to a </a:t>
+            </a:r>
+            <a:r>
+              <a:rPr lang="en-US" sz="2000" dirty="0">
+                <a:solidFill>
+                  <a:schemeClr val="accent5"/>
+                </a:solidFill>
+                <a:latin typeface="Georgia" panose="02040502050405020303" pitchFamily="18" charset="0"/>
+              </a:rPr>
+              <a:t>group × condition interaction</a:t>
+            </a:r>
+            <a:r>
+              <a:rPr lang="en-US" sz="2000" dirty="0">
+                <a:latin typeface="Georgia" panose="02040502050405020303" pitchFamily="18" charset="0"/>
+              </a:rPr>
+              <a:t>, which should be removed from the total </a:t>
+            </a:r>
+            <a:r>
+              <a:rPr lang="en-US" sz="2000" i="1" dirty="0">
+                <a:latin typeface="Georgia" panose="02040502050405020303" pitchFamily="18" charset="0"/>
+              </a:rPr>
+              <a:t>S</a:t>
+            </a:r>
+            <a:r>
+              <a:rPr lang="en-US" sz="2000" dirty="0">
+                <a:latin typeface="Georgia" panose="02040502050405020303" pitchFamily="18" charset="0"/>
+              </a:rPr>
+              <a:t> × RM interaction.</a:t>
             </a:r>
           </a:p>
         </p:txBody>
@@ -10875,6 +10992,48 @@
           </a:p>
         </p:txBody>
       </p:sp>
+      <p:cxnSp>
+        <p:nvCxnSpPr>
+          <p:cNvPr id="7" name="Straight Arrow Connector 6">
+            <a:extLst>
+              <a:ext uri="{FF2B5EF4-FFF2-40B4-BE49-F238E27FC236}">
+                <a16:creationId xmlns:a16="http://schemas.microsoft.com/office/drawing/2014/main" id="{298C3E1B-802F-594D-AB35-E20996A3E919}"/>
+              </a:ext>
+            </a:extLst>
+          </p:cNvPr>
+          <p:cNvCxnSpPr/>
+          <p:nvPr/>
+        </p:nvCxnSpPr>
+        <p:spPr>
+          <a:xfrm flipH="1" flipV="1">
+            <a:off x="5638800" y="3733800"/>
+            <a:ext cx="2667000" cy="1143000"/>
+          </a:xfrm>
+          <a:prstGeom prst="straightConnector1">
+            <a:avLst/>
+          </a:prstGeom>
+          <a:ln w="28575">
+            <a:solidFill>
+              <a:schemeClr val="accent5"/>
+            </a:solidFill>
+            <a:tailEnd type="triangle"/>
+          </a:ln>
+        </p:spPr>
+        <p:style>
+          <a:lnRef idx="1">
+            <a:schemeClr val="accent1"/>
+          </a:lnRef>
+          <a:fillRef idx="0">
+            <a:schemeClr val="accent1"/>
+          </a:fillRef>
+          <a:effectRef idx="0">
+            <a:schemeClr val="accent1"/>
+          </a:effectRef>
+          <a:fontRef idx="minor">
+            <a:schemeClr val="tx1"/>
+          </a:fontRef>
+        </p:style>
+      </p:cxnSp>
     </p:spTree>
     <p:extLst>
       <p:ext uri="{BB962C8B-B14F-4D97-AF65-F5344CB8AC3E}">
@@ -10885,6 +11044,132 @@
   <p:clrMapOvr>
     <a:masterClrMapping/>
   </p:clrMapOvr>
+  <p:timing>
+    <p:tnLst>
+      <p:par>
+        <p:cTn id="1" dur="indefinite" restart="never" nodeType="tmRoot">
+          <p:childTnLst>
+            <p:seq concurrent="1" nextAc="seek">
+              <p:cTn id="2" dur="indefinite" nodeType="mainSeq">
+                <p:childTnLst>
+                  <p:par>
+                    <p:cTn id="3" fill="hold">
+                      <p:stCondLst>
+                        <p:cond delay="indefinite"/>
+                      </p:stCondLst>
+                      <p:childTnLst>
+                        <p:par>
+                          <p:cTn id="4" fill="hold">
+                            <p:stCondLst>
+                              <p:cond delay="0"/>
+                            </p:stCondLst>
+                            <p:childTnLst>
+                              <p:par>
+                                <p:cTn id="5" presetID="10" presetClass="entr" presetSubtype="0" fill="hold" nodeType="clickEffect">
+                                  <p:stCondLst>
+                                    <p:cond delay="0"/>
+                                  </p:stCondLst>
+                                  <p:childTnLst>
+                                    <p:set>
+                                      <p:cBhvr>
+                                        <p:cTn id="6" dur="1" fill="hold">
+                                          <p:stCondLst>
+                                            <p:cond delay="0"/>
+                                          </p:stCondLst>
+                                        </p:cTn>
+                                        <p:tgtEl>
+                                          <p:spTgt spid="3">
+                                            <p:txEl>
+                                              <p:pRg st="4" end="4"/>
+                                            </p:txEl>
+                                          </p:spTgt>
+                                        </p:tgtEl>
+                                        <p:attrNameLst>
+                                          <p:attrName>style.visibility</p:attrName>
+                                        </p:attrNameLst>
+                                      </p:cBhvr>
+                                      <p:to>
+                                        <p:strVal val="visible"/>
+                                      </p:to>
+                                    </p:set>
+                                    <p:animEffect transition="in" filter="fade">
+                                      <p:cBhvr>
+                                        <p:cTn id="7" dur="500"/>
+                                        <p:tgtEl>
+                                          <p:spTgt spid="3">
+                                            <p:txEl>
+                                              <p:pRg st="4" end="4"/>
+                                            </p:txEl>
+                                          </p:spTgt>
+                                        </p:tgtEl>
+                                      </p:cBhvr>
+                                    </p:animEffect>
+                                  </p:childTnLst>
+                                </p:cTn>
+                              </p:par>
+                              <p:par>
+                                <p:cTn id="8" presetID="10" presetClass="entr" presetSubtype="0" fill="hold" nodeType="withEffect">
+                                  <p:stCondLst>
+                                    <p:cond delay="0"/>
+                                  </p:stCondLst>
+                                  <p:childTnLst>
+                                    <p:set>
+                                      <p:cBhvr>
+                                        <p:cTn id="9" dur="1" fill="hold">
+                                          <p:stCondLst>
+                                            <p:cond delay="0"/>
+                                          </p:stCondLst>
+                                        </p:cTn>
+                                        <p:tgtEl>
+                                          <p:spTgt spid="7"/>
+                                        </p:tgtEl>
+                                        <p:attrNameLst>
+                                          <p:attrName>style.visibility</p:attrName>
+                                        </p:attrNameLst>
+                                      </p:cBhvr>
+                                      <p:to>
+                                        <p:strVal val="visible"/>
+                                      </p:to>
+                                    </p:set>
+                                    <p:animEffect transition="in" filter="fade">
+                                      <p:cBhvr>
+                                        <p:cTn id="10" dur="500"/>
+                                        <p:tgtEl>
+                                          <p:spTgt spid="7"/>
+                                        </p:tgtEl>
+                                      </p:cBhvr>
+                                    </p:animEffect>
+                                  </p:childTnLst>
+                                </p:cTn>
+                              </p:par>
+                            </p:childTnLst>
+                          </p:cTn>
+                        </p:par>
+                      </p:childTnLst>
+                    </p:cTn>
+                  </p:par>
+                </p:childTnLst>
+              </p:cTn>
+              <p:prevCondLst>
+                <p:cond evt="onPrev" delay="0">
+                  <p:tgtEl>
+                    <p:sldTgt/>
+                  </p:tgtEl>
+                </p:cond>
+              </p:prevCondLst>
+              <p:nextCondLst>
+                <p:cond evt="onNext" delay="0">
+                  <p:tgtEl>
+                    <p:sldTgt/>
+                  </p:tgtEl>
+                </p:cond>
+              </p:nextCondLst>
+            </p:seq>
+          </p:childTnLst>
+        </p:cTn>
+      </p:par>
+    </p:tnLst>
+  </p:timing>
 </p:sld>
 </file>
 
@@ -10927,7 +11212,13 @@
           <a:lstStyle/>
           <a:p>
             <a:r>
-              <a:rPr lang="en-US" dirty="0"/>
+              <a:rPr lang="en-US" dirty="0">
+                <a:solidFill>
+                  <a:schemeClr val="accent2">
+                    <a:lumMod val="75000"/>
+                  </a:schemeClr>
+                </a:solidFill>
+              </a:rPr>
               <a:t>Normality</a:t>
             </a:r>
           </a:p>
@@ -10940,7 +11231,11 @@
           </a:p>
           <a:p>
             <a:r>
-              <a:rPr lang="en-US" dirty="0"/>
+              <a:rPr lang="en-US" dirty="0">
+                <a:solidFill>
+                  <a:schemeClr val="accent4"/>
+                </a:solidFill>
+              </a:rPr>
               <a:t>Homogeneity of Variance</a:t>
             </a:r>
           </a:p>
@@ -10953,42 +11248,29 @@
           </a:p>
           <a:p>
             <a:r>
-              <a:rPr lang="en-US" dirty="0" err="1"/>
+              <a:rPr lang="en-US" dirty="0" err="1">
+                <a:solidFill>
+                  <a:schemeClr val="accent5"/>
+                </a:solidFill>
+              </a:rPr>
               <a:t>Sphericity</a:t>
             </a:r>
-            <a:endParaRPr lang="en-US" dirty="0"/>
+            <a:endParaRPr lang="en-US" dirty="0">
+              <a:solidFill>
+                <a:schemeClr val="accent5"/>
+              </a:solidFill>
+            </a:endParaRPr>
+          </a:p>
+          <a:p>
+            <a:pPr lvl="1"/>
+            <a:r>
+              <a:rPr lang="en-US" dirty="0"/>
+              <a:t>Same as before (essentially all individuals have similar patterns of change across conditions/time) but after accounting for any between-subjects factors</a:t>
+            </a:r>
           </a:p>
           <a:p>
             <a:pPr lvl="1"/>
             <a:endParaRPr lang="en-US" dirty="0"/>
-          </a:p>
-        </p:txBody>
-      </p:sp>
-      <p:sp>
-        <p:nvSpPr>
-          <p:cNvPr id="4" name="Date Placeholder 3">
-            <a:extLst>
-              <a:ext uri="{FF2B5EF4-FFF2-40B4-BE49-F238E27FC236}">
-                <a16:creationId xmlns:a16="http://schemas.microsoft.com/office/drawing/2014/main" id="{33D7880E-6187-5C4D-B7F1-5A9FF61BBACA}"/>
-              </a:ext>
-            </a:extLst>
-          </p:cNvPr>
-          <p:cNvSpPr>
-            <a:spLocks noGrp="1"/>
-          </p:cNvSpPr>
-          <p:nvPr>
-            <p:ph type="dt" sz="half" idx="10"/>
-          </p:nvPr>
-        </p:nvSpPr>
-        <p:spPr/>
-        <p:txBody>
-          <a:bodyPr/>
-          <a:lstStyle/>
-          <a:p>
-            <a:r>
-              <a:rPr lang="en-US" altLang="en-US"/>
-              <a:t>Jamison Fargo, PhD</a:t>
-            </a:r>
           </a:p>
         </p:txBody>
       </p:sp>
